--- a/Licenta2019IhnatiwStefan/presentation.pptx
+++ b/Licenta2019IhnatiwStefan/presentation.pptx
@@ -7,12 +7,13 @@
   <p:sldIdLst>
     <p:sldId id="256" r:id="rId2"/>
     <p:sldId id="257" r:id="rId3"/>
-    <p:sldId id="258" r:id="rId4"/>
-    <p:sldId id="259" r:id="rId5"/>
-    <p:sldId id="260" r:id="rId6"/>
-    <p:sldId id="261" r:id="rId7"/>
-    <p:sldId id="262" r:id="rId8"/>
-    <p:sldId id="263" r:id="rId9"/>
+    <p:sldId id="264" r:id="rId4"/>
+    <p:sldId id="258" r:id="rId5"/>
+    <p:sldId id="259" r:id="rId6"/>
+    <p:sldId id="260" r:id="rId7"/>
+    <p:sldId id="261" r:id="rId8"/>
+    <p:sldId id="262" r:id="rId9"/>
+    <p:sldId id="263" r:id="rId10"/>
   </p:sldIdLst>
   <p:sldSz cx="12192000" cy="6858000"/>
   <p:notesSz cx="6858000" cy="9144000"/>
@@ -111,6 +112,11 @@
       </a:defRPr>
     </a:lvl9pPr>
   </p:defaultTextStyle>
+  <p:extLst>
+    <p:ext uri="{EFAFB233-063F-42B5-8137-9DF3F51BA10A}">
+      <p15:sldGuideLst xmlns:p15="http://schemas.microsoft.com/office/powerpoint/2012/main"/>
+    </p:ext>
+  </p:extLst>
 </p:presentation>
 </file>
 
@@ -261,7 +267,7 @@
           <a:p>
             <a:fld id="{69C75F48-67B6-4DD7-90AD-AB0BCEDFC6BC}" type="datetimeFigureOut">
               <a:rPr lang="en-US" smtClean="0"/>
-              <a:t>6/30/2019</a:t>
+              <a:t>7/2/2019</a:t>
             </a:fld>
             <a:endParaRPr lang="en-US"/>
           </a:p>
@@ -459,7 +465,7 @@
           <a:p>
             <a:fld id="{69C75F48-67B6-4DD7-90AD-AB0BCEDFC6BC}" type="datetimeFigureOut">
               <a:rPr lang="en-US" smtClean="0"/>
-              <a:t>6/30/2019</a:t>
+              <a:t>7/2/2019</a:t>
             </a:fld>
             <a:endParaRPr lang="en-US"/>
           </a:p>
@@ -667,7 +673,7 @@
           <a:p>
             <a:fld id="{69C75F48-67B6-4DD7-90AD-AB0BCEDFC6BC}" type="datetimeFigureOut">
               <a:rPr lang="en-US" smtClean="0"/>
-              <a:t>6/30/2019</a:t>
+              <a:t>7/2/2019</a:t>
             </a:fld>
             <a:endParaRPr lang="en-US"/>
           </a:p>
@@ -865,7 +871,7 @@
           <a:p>
             <a:fld id="{69C75F48-67B6-4DD7-90AD-AB0BCEDFC6BC}" type="datetimeFigureOut">
               <a:rPr lang="en-US" smtClean="0"/>
-              <a:t>6/30/2019</a:t>
+              <a:t>7/2/2019</a:t>
             </a:fld>
             <a:endParaRPr lang="en-US"/>
           </a:p>
@@ -1140,7 +1146,7 @@
           <a:p>
             <a:fld id="{69C75F48-67B6-4DD7-90AD-AB0BCEDFC6BC}" type="datetimeFigureOut">
               <a:rPr lang="en-US" smtClean="0"/>
-              <a:t>6/30/2019</a:t>
+              <a:t>7/2/2019</a:t>
             </a:fld>
             <a:endParaRPr lang="en-US"/>
           </a:p>
@@ -1405,7 +1411,7 @@
           <a:p>
             <a:fld id="{69C75F48-67B6-4DD7-90AD-AB0BCEDFC6BC}" type="datetimeFigureOut">
               <a:rPr lang="en-US" smtClean="0"/>
-              <a:t>6/30/2019</a:t>
+              <a:t>7/2/2019</a:t>
             </a:fld>
             <a:endParaRPr lang="en-US"/>
           </a:p>
@@ -1817,7 +1823,7 @@
           <a:p>
             <a:fld id="{69C75F48-67B6-4DD7-90AD-AB0BCEDFC6BC}" type="datetimeFigureOut">
               <a:rPr lang="en-US" smtClean="0"/>
-              <a:t>6/30/2019</a:t>
+              <a:t>7/2/2019</a:t>
             </a:fld>
             <a:endParaRPr lang="en-US"/>
           </a:p>
@@ -1958,7 +1964,7 @@
           <a:p>
             <a:fld id="{69C75F48-67B6-4DD7-90AD-AB0BCEDFC6BC}" type="datetimeFigureOut">
               <a:rPr lang="en-US" smtClean="0"/>
-              <a:t>6/30/2019</a:t>
+              <a:t>7/2/2019</a:t>
             </a:fld>
             <a:endParaRPr lang="en-US"/>
           </a:p>
@@ -2071,7 +2077,7 @@
           <a:p>
             <a:fld id="{69C75F48-67B6-4DD7-90AD-AB0BCEDFC6BC}" type="datetimeFigureOut">
               <a:rPr lang="en-US" smtClean="0"/>
-              <a:t>6/30/2019</a:t>
+              <a:t>7/2/2019</a:t>
             </a:fld>
             <a:endParaRPr lang="en-US"/>
           </a:p>
@@ -2382,7 +2388,7 @@
           <a:p>
             <a:fld id="{69C75F48-67B6-4DD7-90AD-AB0BCEDFC6BC}" type="datetimeFigureOut">
               <a:rPr lang="en-US" smtClean="0"/>
-              <a:t>6/30/2019</a:t>
+              <a:t>7/2/2019</a:t>
             </a:fld>
             <a:endParaRPr lang="en-US"/>
           </a:p>
@@ -2670,7 +2676,7 @@
           <a:p>
             <a:fld id="{69C75F48-67B6-4DD7-90AD-AB0BCEDFC6BC}" type="datetimeFigureOut">
               <a:rPr lang="en-US" smtClean="0"/>
-              <a:t>6/30/2019</a:t>
+              <a:t>7/2/2019</a:t>
             </a:fld>
             <a:endParaRPr lang="en-US"/>
           </a:p>
@@ -2911,7 +2917,7 @@
           <a:p>
             <a:fld id="{69C75F48-67B6-4DD7-90AD-AB0BCEDFC6BC}" type="datetimeFigureOut">
               <a:rPr lang="en-US" smtClean="0"/>
-              <a:t>6/30/2019</a:t>
+              <a:t>7/2/2019</a:t>
             </a:fld>
             <a:endParaRPr lang="en-US"/>
           </a:p>
@@ -3534,7 +3540,7 @@
           <p:cNvPr id="2" name="Title 1">
             <a:extLst>
               <a:ext uri="{FF2B5EF4-FFF2-40B4-BE49-F238E27FC236}">
-                <a16:creationId xmlns:a16="http://schemas.microsoft.com/office/drawing/2014/main" id="{6C73B8F2-0E6C-4DDF-BE64-75A4FC29D95A}"/>
+                <a16:creationId xmlns:a16="http://schemas.microsoft.com/office/drawing/2014/main" id="{4E5BA3C1-207B-4BB1-B6D8-9308168AA7CC}"/>
               </a:ext>
             </a:extLst>
           </p:cNvPr>
@@ -3552,117 +3558,77 @@
           <a:p>
             <a:r>
               <a:rPr lang="en-US" dirty="0"/>
-              <a:t>Architecture</a:t>
-            </a:r>
-          </a:p>
-        </p:txBody>
-      </p:sp>
-      <p:pic>
-        <p:nvPicPr>
-          <p:cNvPr id="4" name="Content Placeholder 3">
-            <a:extLst>
-              <a:ext uri="{FF2B5EF4-FFF2-40B4-BE49-F238E27FC236}">
-                <a16:creationId xmlns:a16="http://schemas.microsoft.com/office/drawing/2014/main" id="{2C61AF6E-2DEE-41FA-BBB1-C06B3AB519B0}"/>
-              </a:ext>
-            </a:extLst>
-          </p:cNvPr>
-          <p:cNvPicPr>
-            <a:picLocks noGrp="1"/>
-          </p:cNvPicPr>
+              <a:t>Workspace</a:t>
+            </a:r>
+          </a:p>
+        </p:txBody>
+      </p:sp>
+      <p:sp>
+        <p:nvSpPr>
+          <p:cNvPr id="3" name="Content Placeholder 2">
+            <a:extLst>
+              <a:ext uri="{FF2B5EF4-FFF2-40B4-BE49-F238E27FC236}">
+                <a16:creationId xmlns:a16="http://schemas.microsoft.com/office/drawing/2014/main" id="{3D6BC663-B75A-42AC-9E5B-7E16C6D88182}"/>
+              </a:ext>
+            </a:extLst>
+          </p:cNvPr>
+          <p:cNvSpPr>
+            <a:spLocks noGrp="1"/>
+          </p:cNvSpPr>
           <p:nvPr>
             <p:ph idx="1"/>
           </p:nvPr>
-        </p:nvPicPr>
-        <p:blipFill>
-          <a:blip r:embed="rId2"/>
-          <a:stretch>
-            <a:fillRect/>
-          </a:stretch>
-        </p:blipFill>
-        <p:spPr>
-          <a:xfrm>
-            <a:off x="5859625" y="365125"/>
-            <a:ext cx="6332376" cy="6492875"/>
-          </a:xfrm>
-          <a:prstGeom prst="rect">
-            <a:avLst/>
-          </a:prstGeom>
-        </p:spPr>
-      </p:pic>
-      <p:sp>
-        <p:nvSpPr>
-          <p:cNvPr id="6" name="TextBox 5">
-            <a:extLst>
-              <a:ext uri="{FF2B5EF4-FFF2-40B4-BE49-F238E27FC236}">
-                <a16:creationId xmlns:a16="http://schemas.microsoft.com/office/drawing/2014/main" id="{9D358D11-CED0-4CAB-B6AC-82D1B5EB7F0F}"/>
-              </a:ext>
-            </a:extLst>
-          </p:cNvPr>
-          <p:cNvSpPr txBox="1"/>
-          <p:nvPr/>
-        </p:nvSpPr>
-        <p:spPr>
-          <a:xfrm>
-            <a:off x="727788" y="1810139"/>
-            <a:ext cx="4982547" cy="3970318"/>
-          </a:xfrm>
-          <a:prstGeom prst="rect">
-            <a:avLst/>
-          </a:prstGeom>
-          <a:noFill/>
-        </p:spPr>
-        <p:txBody>
-          <a:bodyPr wrap="square" rtlCol="0">
-            <a:spAutoFit/>
-          </a:bodyPr>
-          <a:lstStyle/>
-          <a:p>
-            <a:pPr algn="just"/>
+        </p:nvSpPr>
+        <p:spPr/>
+        <p:txBody>
+          <a:bodyPr/>
+          <a:lstStyle/>
+          <a:p>
             <a:r>
               <a:rPr lang="en-US" dirty="0"/>
-              <a:t>The application consists of 2 main modules: </a:t>
-            </a:r>
-          </a:p>
-          <a:p>
-            <a:pPr marL="285750" indent="-285750" algn="just">
-              <a:buFont typeface="Arial" panose="020B0604020202020204" pitchFamily="34" charset="0"/>
-              <a:buChar char="•"/>
+              <a:t>Python programming language</a:t>
+            </a:r>
+          </a:p>
+          <a:p>
+            <a:pPr marL="0" indent="0">
+              <a:buNone/>
             </a:pPr>
             <a:r>
               <a:rPr lang="en-US" dirty="0"/>
-              <a:t>the voice recognizer</a:t>
-            </a:r>
-          </a:p>
-          <a:p>
-            <a:pPr marL="285750" indent="-285750" algn="just">
-              <a:buFont typeface="Arial" panose="020B0604020202020204" pitchFamily="34" charset="0"/>
-              <a:buChar char="•"/>
+              <a:t>	- high-level, interpreted, object-oriented language</a:t>
+            </a:r>
+          </a:p>
+          <a:p>
+            <a:pPr marL="0" indent="0">
+              <a:buNone/>
             </a:pPr>
             <a:r>
               <a:rPr lang="en-US" dirty="0"/>
-              <a:t>The browser interactor</a:t>
-            </a:r>
-          </a:p>
-          <a:p>
-            <a:pPr algn="just"/>
-            <a:endParaRPr lang="en-US" dirty="0"/>
-          </a:p>
-          <a:p>
-            <a:pPr algn="just"/>
+              <a:t>	- clear coding, easy debugging, many open source libraries</a:t>
+            </a:r>
+          </a:p>
+          <a:p>
             <a:r>
               <a:rPr lang="en-US" dirty="0"/>
-              <a:t>The voice recognizer handles the conversion of audio input to a byte representation, which will be then transformed into a lossless type representation and sent to the Google Speech API to be recognized.</a:t>
-            </a:r>
-          </a:p>
-          <a:p>
-            <a:pPr algn="just"/>
-            <a:endParaRPr lang="en-US" dirty="0"/>
-          </a:p>
-          <a:p>
-            <a:pPr algn="just"/>
+              <a:t> Django framework</a:t>
+            </a:r>
+          </a:p>
+          <a:p>
+            <a:pPr marL="0" indent="0">
+              <a:buNone/>
+            </a:pPr>
             <a:r>
               <a:rPr lang="en-US" dirty="0"/>
-              <a:t>The browser interactor handles a text command by checking its similarity with the supported commands and implementing each functionality in a different method.</a:t>
+              <a:t>	- enables rapid integration between a web client and the 	backend of the application</a:t>
+            </a:r>
+          </a:p>
+          <a:p>
+            <a:pPr marL="0" indent="0">
+              <a:buNone/>
+            </a:pPr>
+            <a:r>
+              <a:rPr lang="en-US" dirty="0"/>
+              <a:t>	- used to start the program from localhost</a:t>
             </a:r>
           </a:p>
         </p:txBody>
@@ -3670,7 +3636,7 @@
     </p:spTree>
     <p:extLst>
       <p:ext uri="{BB962C8B-B14F-4D97-AF65-F5344CB8AC3E}">
-        <p14:creationId xmlns:p14="http://schemas.microsoft.com/office/powerpoint/2010/main" val="4075301487"/>
+        <p14:creationId xmlns:p14="http://schemas.microsoft.com/office/powerpoint/2010/main" val="2840290557"/>
       </p:ext>
     </p:extLst>
   </p:cSld>
@@ -3702,7 +3668,7 @@
           <p:cNvPr id="2" name="Title 1">
             <a:extLst>
               <a:ext uri="{FF2B5EF4-FFF2-40B4-BE49-F238E27FC236}">
-                <a16:creationId xmlns:a16="http://schemas.microsoft.com/office/drawing/2014/main" id="{B8B3205F-DD87-4237-9A80-CDCC1D76766A}"/>
+                <a16:creationId xmlns:a16="http://schemas.microsoft.com/office/drawing/2014/main" id="{6C73B8F2-0E6C-4DDF-BE64-75A4FC29D95A}"/>
               </a:ext>
             </a:extLst>
           </p:cNvPr>
@@ -3720,71 +3686,117 @@
           <a:p>
             <a:r>
               <a:rPr lang="en-US" dirty="0"/>
-              <a:t>Technologies used</a:t>
-            </a:r>
-          </a:p>
-        </p:txBody>
-      </p:sp>
-      <p:sp>
-        <p:nvSpPr>
-          <p:cNvPr id="3" name="Content Placeholder 2">
-            <a:extLst>
-              <a:ext uri="{FF2B5EF4-FFF2-40B4-BE49-F238E27FC236}">
-                <a16:creationId xmlns:a16="http://schemas.microsoft.com/office/drawing/2014/main" id="{077B3225-0029-4F68-AA3C-18A453CA9252}"/>
-              </a:ext>
-            </a:extLst>
-          </p:cNvPr>
-          <p:cNvSpPr>
-            <a:spLocks noGrp="1"/>
-          </p:cNvSpPr>
+              <a:t>Architecture</a:t>
+            </a:r>
+          </a:p>
+        </p:txBody>
+      </p:sp>
+      <p:pic>
+        <p:nvPicPr>
+          <p:cNvPr id="4" name="Content Placeholder 3">
+            <a:extLst>
+              <a:ext uri="{FF2B5EF4-FFF2-40B4-BE49-F238E27FC236}">
+                <a16:creationId xmlns:a16="http://schemas.microsoft.com/office/drawing/2014/main" id="{2C61AF6E-2DEE-41FA-BBB1-C06B3AB519B0}"/>
+              </a:ext>
+            </a:extLst>
+          </p:cNvPr>
+          <p:cNvPicPr>
+            <a:picLocks noGrp="1"/>
+          </p:cNvPicPr>
           <p:nvPr>
             <p:ph idx="1"/>
           </p:nvPr>
-        </p:nvSpPr>
-        <p:spPr/>
-        <p:txBody>
-          <a:bodyPr/>
+        </p:nvPicPr>
+        <p:blipFill>
+          <a:blip r:embed="rId2"/>
+          <a:stretch>
+            <a:fillRect/>
+          </a:stretch>
+        </p:blipFill>
+        <p:spPr>
+          <a:xfrm>
+            <a:off x="5859625" y="365125"/>
+            <a:ext cx="6332376" cy="6492875"/>
+          </a:xfrm>
+          <a:prstGeom prst="rect">
+            <a:avLst/>
+          </a:prstGeom>
+        </p:spPr>
+      </p:pic>
+      <p:sp>
+        <p:nvSpPr>
+          <p:cNvPr id="6" name="TextBox 5">
+            <a:extLst>
+              <a:ext uri="{FF2B5EF4-FFF2-40B4-BE49-F238E27FC236}">
+                <a16:creationId xmlns:a16="http://schemas.microsoft.com/office/drawing/2014/main" id="{9D358D11-CED0-4CAB-B6AC-82D1B5EB7F0F}"/>
+              </a:ext>
+            </a:extLst>
+          </p:cNvPr>
+          <p:cNvSpPr txBox="1"/>
+          <p:nvPr/>
+        </p:nvSpPr>
+        <p:spPr>
+          <a:xfrm>
+            <a:off x="727788" y="1810139"/>
+            <a:ext cx="4982547" cy="3970318"/>
+          </a:xfrm>
+          <a:prstGeom prst="rect">
+            <a:avLst/>
+          </a:prstGeom>
+          <a:noFill/>
+        </p:spPr>
+        <p:txBody>
+          <a:bodyPr wrap="square" rtlCol="0">
+            <a:spAutoFit/>
+          </a:bodyPr>
           <a:lstStyle/>
           <a:p>
             <a:pPr algn="just"/>
             <a:r>
-              <a:rPr lang="en-US" i="1" dirty="0" err="1"/>
-              <a:t>SpeechRecognition</a:t>
-            </a:r>
-            <a:r>
               <a:rPr lang="en-US" dirty="0"/>
-              <a:t> module</a:t>
-            </a:r>
-          </a:p>
-          <a:p>
-            <a:pPr marL="0" indent="0" algn="just">
-              <a:buNone/>
+              <a:t>The application consists of 2 main modules: </a:t>
+            </a:r>
+          </a:p>
+          <a:p>
+            <a:pPr marL="285750" indent="-285750" algn="just">
+              <a:buFont typeface="Arial" panose="020B0604020202020204" pitchFamily="34" charset="0"/>
+              <a:buChar char="•"/>
             </a:pPr>
             <a:r>
-              <a:rPr lang="en-US" i="1" dirty="0"/>
-              <a:t>	- </a:t>
-            </a:r>
-            <a:r>
               <a:rPr lang="en-US" dirty="0"/>
-              <a:t>verifies the audio input devices present on the system and 	selects one to record from</a:t>
-            </a:r>
-          </a:p>
-          <a:p>
-            <a:pPr marL="0" indent="0" algn="just">
-              <a:buNone/>
+              <a:t>the voice recognizer</a:t>
+            </a:r>
+          </a:p>
+          <a:p>
+            <a:pPr marL="285750" indent="-285750" algn="just">
+              <a:buFont typeface="Arial" panose="020B0604020202020204" pitchFamily="34" charset="0"/>
+              <a:buChar char="•"/>
             </a:pPr>
             <a:r>
               <a:rPr lang="en-US" dirty="0"/>
-              <a:t>	- while listening in background, it checks the energy threshold 	detected by the microphone to determine the presence of 	speech</a:t>
-            </a:r>
-          </a:p>
-          <a:p>
-            <a:pPr marL="0" indent="0" algn="just">
-              <a:buNone/>
-            </a:pPr>
+              <a:t>The browser interactor</a:t>
+            </a:r>
+          </a:p>
+          <a:p>
+            <a:pPr algn="just"/>
+            <a:endParaRPr lang="en-US" dirty="0"/>
+          </a:p>
+          <a:p>
+            <a:pPr algn="just"/>
             <a:r>
               <a:rPr lang="en-US" dirty="0"/>
-              <a:t>	- has the ability to interact with multiple APIs that can determine 	the text spoken in the audio representation</a:t>
+              <a:t>The voice recognizer handles the conversion of audio input to a byte representation, which will be then transformed into a lossless type representation and sent to the Google Speech API to be recognized.</a:t>
+            </a:r>
+          </a:p>
+          <a:p>
+            <a:pPr algn="just"/>
+            <a:endParaRPr lang="en-US" dirty="0"/>
+          </a:p>
+          <a:p>
+            <a:pPr algn="just"/>
+            <a:r>
+              <a:rPr lang="en-US" dirty="0"/>
+              <a:t>The browser interactor handles a text command by checking its similarity with the supported commands and implementing each functionality in a different method.</a:t>
             </a:r>
           </a:p>
         </p:txBody>
@@ -3792,7 +3804,7 @@
     </p:spTree>
     <p:extLst>
       <p:ext uri="{BB962C8B-B14F-4D97-AF65-F5344CB8AC3E}">
-        <p14:creationId xmlns:p14="http://schemas.microsoft.com/office/powerpoint/2010/main" val="744434542"/>
+        <p14:creationId xmlns:p14="http://schemas.microsoft.com/office/powerpoint/2010/main" val="4075301487"/>
       </p:ext>
     </p:extLst>
   </p:cSld>
@@ -3824,7 +3836,7 @@
           <p:cNvPr id="2" name="Title 1">
             <a:extLst>
               <a:ext uri="{FF2B5EF4-FFF2-40B4-BE49-F238E27FC236}">
-                <a16:creationId xmlns:a16="http://schemas.microsoft.com/office/drawing/2014/main" id="{BE1CDD59-B207-44E8-B9D5-BDC5F81710B2}"/>
+                <a16:creationId xmlns:a16="http://schemas.microsoft.com/office/drawing/2014/main" id="{B8B3205F-DD87-4237-9A80-CDCC1D76766A}"/>
               </a:ext>
             </a:extLst>
           </p:cNvPr>
@@ -3852,7 +3864,7 @@
           <p:cNvPr id="3" name="Content Placeholder 2">
             <a:extLst>
               <a:ext uri="{FF2B5EF4-FFF2-40B4-BE49-F238E27FC236}">
-                <a16:creationId xmlns:a16="http://schemas.microsoft.com/office/drawing/2014/main" id="{B699C4B8-7D86-468C-A746-86900C33B941}"/>
+                <a16:creationId xmlns:a16="http://schemas.microsoft.com/office/drawing/2014/main" id="{077B3225-0029-4F68-AA3C-18A453CA9252}"/>
               </a:ext>
             </a:extLst>
           </p:cNvPr>
@@ -3870,14 +3882,13 @@
           <a:p>
             <a:pPr algn="just"/>
             <a:r>
-              <a:rPr lang="en-US" i="1" dirty="0"/>
-              <a:t>Selenium</a:t>
+              <a:rPr lang="en-US" i="1" dirty="0" err="1"/>
+              <a:t>SpeechRecognition</a:t>
             </a:r>
             <a:r>
               <a:rPr lang="en-US" dirty="0"/>
               <a:t> module</a:t>
             </a:r>
-            <a:endParaRPr lang="en-US" i="1" dirty="0"/>
           </a:p>
           <a:p>
             <a:pPr marL="0" indent="0" algn="just">
@@ -3889,7 +3900,7 @@
             </a:r>
             <a:r>
               <a:rPr lang="en-US" dirty="0"/>
-              <a:t>mainly used for automation of the web browser, it can connect 	to an existing session and interact with it</a:t>
+              <a:t>verifies the audio input devices present on the system and 	selects one to record from</a:t>
             </a:r>
           </a:p>
           <a:p>
@@ -3898,54 +3909,24 @@
             </a:pPr>
             <a:r>
               <a:rPr lang="en-US" dirty="0"/>
-              <a:t>	- has the ability to identify HTML elements based on tag, class, 	value, id, </a:t>
-            </a:r>
-            <a:r>
-              <a:rPr lang="en-US" dirty="0" err="1"/>
-              <a:t>xpath</a:t>
-            </a:r>
+              <a:t>	- while listening in background, it checks the energy threshold 	detected by the microphone to determine the presence of 	speech</a:t>
+            </a:r>
+          </a:p>
+          <a:p>
+            <a:pPr marL="0" indent="0" algn="just">
+              <a:buNone/>
+            </a:pPr>
             <a:r>
               <a:rPr lang="en-US" dirty="0"/>
-              <a:t>, </a:t>
-            </a:r>
-            <a:r>
-              <a:rPr lang="en-US" dirty="0" err="1"/>
-              <a:t>css</a:t>
-            </a:r>
-            <a:r>
-              <a:rPr lang="en-US" dirty="0"/>
-              <a:t> selector</a:t>
-            </a:r>
-          </a:p>
-          <a:p>
-            <a:pPr marL="0" indent="0" algn="just">
-              <a:buNone/>
-            </a:pPr>
-            <a:r>
-              <a:rPr lang="en-US" dirty="0"/>
-              <a:t>	- can execute </a:t>
-            </a:r>
-            <a:r>
-              <a:rPr lang="en-US" dirty="0" err="1"/>
-              <a:t>javascript</a:t>
-            </a:r>
-            <a:r>
-              <a:rPr lang="en-US" dirty="0"/>
-              <a:t> commands given by the developer</a:t>
-            </a:r>
-          </a:p>
-          <a:p>
-            <a:pPr marL="0" indent="0" algn="just">
-              <a:buNone/>
-            </a:pPr>
-            <a:endParaRPr lang="en-US" dirty="0"/>
+              <a:t>	- has the ability to interact with multiple APIs that can determine 	the text spoken in the audio representation</a:t>
+            </a:r>
           </a:p>
         </p:txBody>
       </p:sp>
     </p:spTree>
     <p:extLst>
       <p:ext uri="{BB962C8B-B14F-4D97-AF65-F5344CB8AC3E}">
-        <p14:creationId xmlns:p14="http://schemas.microsoft.com/office/powerpoint/2010/main" val="688774076"/>
+        <p14:creationId xmlns:p14="http://schemas.microsoft.com/office/powerpoint/2010/main" val="744434542"/>
       </p:ext>
     </p:extLst>
   </p:cSld>
@@ -3977,7 +3958,7 @@
           <p:cNvPr id="2" name="Title 1">
             <a:extLst>
               <a:ext uri="{FF2B5EF4-FFF2-40B4-BE49-F238E27FC236}">
-                <a16:creationId xmlns:a16="http://schemas.microsoft.com/office/drawing/2014/main" id="{F92219C2-FBC6-4266-A87D-EDF4A474F1A5}"/>
+                <a16:creationId xmlns:a16="http://schemas.microsoft.com/office/drawing/2014/main" id="{BE1CDD59-B207-44E8-B9D5-BDC5F81710B2}"/>
               </a:ext>
             </a:extLst>
           </p:cNvPr>
@@ -4005,7 +3986,7 @@
           <p:cNvPr id="3" name="Content Placeholder 2">
             <a:extLst>
               <a:ext uri="{FF2B5EF4-FFF2-40B4-BE49-F238E27FC236}">
-                <a16:creationId xmlns:a16="http://schemas.microsoft.com/office/drawing/2014/main" id="{D6E8E4C0-D5EC-4BD8-A13F-FB3B7B183F67}"/>
+                <a16:creationId xmlns:a16="http://schemas.microsoft.com/office/drawing/2014/main" id="{B699C4B8-7D86-468C-A746-86900C33B941}"/>
               </a:ext>
             </a:extLst>
           </p:cNvPr>
@@ -4023,10 +4004,14 @@
           <a:p>
             <a:pPr algn="just"/>
             <a:r>
-              <a:rPr lang="en-US" i="1" dirty="0" err="1"/>
-              <a:t>ActionChains</a:t>
-            </a:r>
-            <a:endParaRPr lang="en-US" dirty="0"/>
+              <a:rPr lang="en-US" i="1" dirty="0"/>
+              <a:t>Selenium</a:t>
+            </a:r>
+            <a:r>
+              <a:rPr lang="en-US" dirty="0"/>
+              <a:t> module</a:t>
+            </a:r>
+            <a:endParaRPr lang="en-US" i="1" dirty="0"/>
           </a:p>
           <a:p>
             <a:pPr marL="0" indent="0" algn="just">
@@ -4038,19 +4023,32 @@
             </a:r>
             <a:r>
               <a:rPr lang="en-US" dirty="0"/>
-              <a:t>provides the ability to move the mouse cursor to a certain 	HTML element</a:t>
-            </a:r>
-            <a:endParaRPr lang="en-US" i="1" dirty="0"/>
-          </a:p>
-          <a:p>
-            <a:pPr algn="just"/>
-            <a:r>
-              <a:rPr lang="en-US" i="1" dirty="0" err="1"/>
-              <a:t>Pynput</a:t>
-            </a:r>
+              <a:t>mainly used for automation of the web browser, it can connect 	to an existing session and interact with it</a:t>
+            </a:r>
+          </a:p>
+          <a:p>
+            <a:pPr marL="0" indent="0" algn="just">
+              <a:buNone/>
+            </a:pPr>
             <a:r>
               <a:rPr lang="en-US" dirty="0"/>
-              <a:t> module</a:t>
+              <a:t>	- has the ability to identify HTML elements based on tag, class, 	value, id, </a:t>
+            </a:r>
+            <a:r>
+              <a:rPr lang="en-US" dirty="0" err="1"/>
+              <a:t>xpath</a:t>
+            </a:r>
+            <a:r>
+              <a:rPr lang="en-US" dirty="0"/>
+              <a:t>, </a:t>
+            </a:r>
+            <a:r>
+              <a:rPr lang="en-US" dirty="0" err="1"/>
+              <a:t>css</a:t>
+            </a:r>
+            <a:r>
+              <a:rPr lang="en-US" dirty="0"/>
+              <a:t> selector</a:t>
             </a:r>
           </a:p>
           <a:p>
@@ -4059,48 +4057,29 @@
             </a:pPr>
             <a:r>
               <a:rPr lang="en-US" dirty="0"/>
-              <a:t>	- performs key presses, combination of key presses and listens in 	the background for user keyboard actions</a:t>
-            </a:r>
-          </a:p>
-          <a:p>
-            <a:pPr algn="just"/>
-            <a:r>
-              <a:rPr lang="en-US" i="1" dirty="0" err="1"/>
-              <a:t>Levenshtein</a:t>
+              <a:t>	- can execute </a:t>
+            </a:r>
+            <a:r>
+              <a:rPr lang="en-US" dirty="0" err="1"/>
+              <a:t>javascript</a:t>
             </a:r>
             <a:r>
               <a:rPr lang="en-US" dirty="0"/>
-              <a:t> module</a:t>
+              <a:t> commands given by the developer</a:t>
             </a:r>
           </a:p>
           <a:p>
             <a:pPr marL="0" indent="0" algn="just">
               <a:buNone/>
             </a:pPr>
-            <a:r>
-              <a:rPr lang="en-US" i="1" dirty="0"/>
-              <a:t>	</a:t>
-            </a:r>
-            <a:r>
-              <a:rPr lang="en-US" dirty="0"/>
-              <a:t>- measures the </a:t>
-            </a:r>
-            <a:r>
-              <a:rPr lang="en-US" dirty="0" err="1"/>
-              <a:t>Levenshtein</a:t>
-            </a:r>
-            <a:r>
-              <a:rPr lang="en-US" dirty="0"/>
-              <a:t> distance between two strings to 	determine the similarity ratio</a:t>
-            </a:r>
-            <a:endParaRPr lang="en-US" i="1" dirty="0"/>
+            <a:endParaRPr lang="en-US" dirty="0"/>
           </a:p>
         </p:txBody>
       </p:sp>
     </p:spTree>
     <p:extLst>
       <p:ext uri="{BB962C8B-B14F-4D97-AF65-F5344CB8AC3E}">
-        <p14:creationId xmlns:p14="http://schemas.microsoft.com/office/powerpoint/2010/main" val="3941675229"/>
+        <p14:creationId xmlns:p14="http://schemas.microsoft.com/office/powerpoint/2010/main" val="688774076"/>
       </p:ext>
     </p:extLst>
   </p:cSld>
@@ -4132,6 +4111,161 @@
           <p:cNvPr id="2" name="Title 1">
             <a:extLst>
               <a:ext uri="{FF2B5EF4-FFF2-40B4-BE49-F238E27FC236}">
+                <a16:creationId xmlns:a16="http://schemas.microsoft.com/office/drawing/2014/main" id="{F92219C2-FBC6-4266-A87D-EDF4A474F1A5}"/>
+              </a:ext>
+            </a:extLst>
+          </p:cNvPr>
+          <p:cNvSpPr>
+            <a:spLocks noGrp="1"/>
+          </p:cNvSpPr>
+          <p:nvPr>
+            <p:ph type="title"/>
+          </p:nvPr>
+        </p:nvSpPr>
+        <p:spPr/>
+        <p:txBody>
+          <a:bodyPr/>
+          <a:lstStyle/>
+          <a:p>
+            <a:r>
+              <a:rPr lang="en-US" dirty="0"/>
+              <a:t>Technologies used</a:t>
+            </a:r>
+          </a:p>
+        </p:txBody>
+      </p:sp>
+      <p:sp>
+        <p:nvSpPr>
+          <p:cNvPr id="3" name="Content Placeholder 2">
+            <a:extLst>
+              <a:ext uri="{FF2B5EF4-FFF2-40B4-BE49-F238E27FC236}">
+                <a16:creationId xmlns:a16="http://schemas.microsoft.com/office/drawing/2014/main" id="{D6E8E4C0-D5EC-4BD8-A13F-FB3B7B183F67}"/>
+              </a:ext>
+            </a:extLst>
+          </p:cNvPr>
+          <p:cNvSpPr>
+            <a:spLocks noGrp="1"/>
+          </p:cNvSpPr>
+          <p:nvPr>
+            <p:ph idx="1"/>
+          </p:nvPr>
+        </p:nvSpPr>
+        <p:spPr/>
+        <p:txBody>
+          <a:bodyPr/>
+          <a:lstStyle/>
+          <a:p>
+            <a:pPr algn="just"/>
+            <a:r>
+              <a:rPr lang="en-US" i="1" dirty="0" err="1"/>
+              <a:t>ActionChains</a:t>
+            </a:r>
+            <a:endParaRPr lang="en-US" dirty="0"/>
+          </a:p>
+          <a:p>
+            <a:pPr marL="0" indent="0" algn="just">
+              <a:buNone/>
+            </a:pPr>
+            <a:r>
+              <a:rPr lang="en-US" i="1" dirty="0"/>
+              <a:t>	- </a:t>
+            </a:r>
+            <a:r>
+              <a:rPr lang="en-US" dirty="0"/>
+              <a:t>provides the ability to move the mouse cursor to a certain 	HTML element</a:t>
+            </a:r>
+            <a:endParaRPr lang="en-US" i="1" dirty="0"/>
+          </a:p>
+          <a:p>
+            <a:pPr algn="just"/>
+            <a:r>
+              <a:rPr lang="en-US" i="1" dirty="0" err="1"/>
+              <a:t>Pynput</a:t>
+            </a:r>
+            <a:r>
+              <a:rPr lang="en-US" dirty="0"/>
+              <a:t> module</a:t>
+            </a:r>
+          </a:p>
+          <a:p>
+            <a:pPr marL="0" indent="0" algn="just">
+              <a:buNone/>
+            </a:pPr>
+            <a:r>
+              <a:rPr lang="en-US" dirty="0"/>
+              <a:t>	- performs key presses, combination of key presses and listens in 	the background for user keyboard actions</a:t>
+            </a:r>
+          </a:p>
+          <a:p>
+            <a:pPr algn="just"/>
+            <a:r>
+              <a:rPr lang="en-US" i="1" dirty="0" err="1"/>
+              <a:t>Levenshtein</a:t>
+            </a:r>
+            <a:r>
+              <a:rPr lang="en-US" dirty="0"/>
+              <a:t> module</a:t>
+            </a:r>
+          </a:p>
+          <a:p>
+            <a:pPr marL="0" indent="0" algn="just">
+              <a:buNone/>
+            </a:pPr>
+            <a:r>
+              <a:rPr lang="en-US" i="1" dirty="0"/>
+              <a:t>	</a:t>
+            </a:r>
+            <a:r>
+              <a:rPr lang="en-US" dirty="0"/>
+              <a:t>- measures the </a:t>
+            </a:r>
+            <a:r>
+              <a:rPr lang="en-US" dirty="0" err="1"/>
+              <a:t>Levenshtein</a:t>
+            </a:r>
+            <a:r>
+              <a:rPr lang="en-US" dirty="0"/>
+              <a:t> distance between two strings to 	determine the similarity ratio</a:t>
+            </a:r>
+            <a:endParaRPr lang="en-US" i="1" dirty="0"/>
+          </a:p>
+        </p:txBody>
+      </p:sp>
+    </p:spTree>
+    <p:extLst>
+      <p:ext uri="{BB962C8B-B14F-4D97-AF65-F5344CB8AC3E}">
+        <p14:creationId xmlns:p14="http://schemas.microsoft.com/office/powerpoint/2010/main" val="3941675229"/>
+      </p:ext>
+    </p:extLst>
+  </p:cSld>
+  <p:clrMapOvr>
+    <a:masterClrMapping/>
+  </p:clrMapOvr>
+</p:sld>
+</file>
+
+<file path=ppt/slides/slide8.xml><?xml version="1.0" encoding="utf-8"?>
+<p:sld xmlns:a="http://schemas.openxmlformats.org/drawingml/2006/main" xmlns:r="http://schemas.openxmlformats.org/officeDocument/2006/relationships" xmlns:p="http://schemas.openxmlformats.org/presentationml/2006/main">
+  <p:cSld>
+    <p:spTree>
+      <p:nvGrpSpPr>
+        <p:cNvPr id="1" name=""/>
+        <p:cNvGrpSpPr/>
+        <p:nvPr/>
+      </p:nvGrpSpPr>
+      <p:grpSpPr>
+        <a:xfrm>
+          <a:off x="0" y="0"/>
+          <a:ext cx="0" cy="0"/>
+          <a:chOff x="0" y="0"/>
+          <a:chExt cx="0" cy="0"/>
+        </a:xfrm>
+      </p:grpSpPr>
+      <p:sp>
+        <p:nvSpPr>
+          <p:cNvPr id="2" name="Title 1">
+            <a:extLst>
+              <a:ext uri="{FF2B5EF4-FFF2-40B4-BE49-F238E27FC236}">
                 <a16:creationId xmlns:a16="http://schemas.microsoft.com/office/drawing/2014/main" id="{3AEEE7F7-A117-4348-8992-AB1F7DDA8F7E}"/>
               </a:ext>
             </a:extLst>
@@ -4239,7 +4373,7 @@
 </p:sld>
 </file>
 
-<file path=ppt/slides/slide8.xml><?xml version="1.0" encoding="utf-8"?>
+<file path=ppt/slides/slide9.xml><?xml version="1.0" encoding="utf-8"?>
 <p:sld xmlns:a="http://schemas.openxmlformats.org/drawingml/2006/main" xmlns:r="http://schemas.openxmlformats.org/officeDocument/2006/relationships" xmlns:p="http://schemas.openxmlformats.org/presentationml/2006/main">
   <p:cSld>
     <p:spTree>

--- a/Licenta2019IhnatiwStefan/presentation.pptx
+++ b/Licenta2019IhnatiwStefan/presentation.pptx
@@ -7,8 +7,8 @@
   <p:sldIdLst>
     <p:sldId id="256" r:id="rId2"/>
     <p:sldId id="257" r:id="rId3"/>
-    <p:sldId id="264" r:id="rId4"/>
-    <p:sldId id="258" r:id="rId5"/>
+    <p:sldId id="258" r:id="rId4"/>
+    <p:sldId id="266" r:id="rId5"/>
     <p:sldId id="259" r:id="rId6"/>
     <p:sldId id="260" r:id="rId7"/>
     <p:sldId id="261" r:id="rId8"/>
@@ -267,7 +267,7 @@
           <a:p>
             <a:fld id="{69C75F48-67B6-4DD7-90AD-AB0BCEDFC6BC}" type="datetimeFigureOut">
               <a:rPr lang="en-US" smtClean="0"/>
-              <a:t>7/2/2019</a:t>
+              <a:t>7/4/2019</a:t>
             </a:fld>
             <a:endParaRPr lang="en-US"/>
           </a:p>
@@ -465,7 +465,7 @@
           <a:p>
             <a:fld id="{69C75F48-67B6-4DD7-90AD-AB0BCEDFC6BC}" type="datetimeFigureOut">
               <a:rPr lang="en-US" smtClean="0"/>
-              <a:t>7/2/2019</a:t>
+              <a:t>7/4/2019</a:t>
             </a:fld>
             <a:endParaRPr lang="en-US"/>
           </a:p>
@@ -673,7 +673,7 @@
           <a:p>
             <a:fld id="{69C75F48-67B6-4DD7-90AD-AB0BCEDFC6BC}" type="datetimeFigureOut">
               <a:rPr lang="en-US" smtClean="0"/>
-              <a:t>7/2/2019</a:t>
+              <a:t>7/4/2019</a:t>
             </a:fld>
             <a:endParaRPr lang="en-US"/>
           </a:p>
@@ -871,7 +871,7 @@
           <a:p>
             <a:fld id="{69C75F48-67B6-4DD7-90AD-AB0BCEDFC6BC}" type="datetimeFigureOut">
               <a:rPr lang="en-US" smtClean="0"/>
-              <a:t>7/2/2019</a:t>
+              <a:t>7/4/2019</a:t>
             </a:fld>
             <a:endParaRPr lang="en-US"/>
           </a:p>
@@ -1146,7 +1146,7 @@
           <a:p>
             <a:fld id="{69C75F48-67B6-4DD7-90AD-AB0BCEDFC6BC}" type="datetimeFigureOut">
               <a:rPr lang="en-US" smtClean="0"/>
-              <a:t>7/2/2019</a:t>
+              <a:t>7/4/2019</a:t>
             </a:fld>
             <a:endParaRPr lang="en-US"/>
           </a:p>
@@ -1411,7 +1411,7 @@
           <a:p>
             <a:fld id="{69C75F48-67B6-4DD7-90AD-AB0BCEDFC6BC}" type="datetimeFigureOut">
               <a:rPr lang="en-US" smtClean="0"/>
-              <a:t>7/2/2019</a:t>
+              <a:t>7/4/2019</a:t>
             </a:fld>
             <a:endParaRPr lang="en-US"/>
           </a:p>
@@ -1823,7 +1823,7 @@
           <a:p>
             <a:fld id="{69C75F48-67B6-4DD7-90AD-AB0BCEDFC6BC}" type="datetimeFigureOut">
               <a:rPr lang="en-US" smtClean="0"/>
-              <a:t>7/2/2019</a:t>
+              <a:t>7/4/2019</a:t>
             </a:fld>
             <a:endParaRPr lang="en-US"/>
           </a:p>
@@ -1964,7 +1964,7 @@
           <a:p>
             <a:fld id="{69C75F48-67B6-4DD7-90AD-AB0BCEDFC6BC}" type="datetimeFigureOut">
               <a:rPr lang="en-US" smtClean="0"/>
-              <a:t>7/2/2019</a:t>
+              <a:t>7/4/2019</a:t>
             </a:fld>
             <a:endParaRPr lang="en-US"/>
           </a:p>
@@ -2077,7 +2077,7 @@
           <a:p>
             <a:fld id="{69C75F48-67B6-4DD7-90AD-AB0BCEDFC6BC}" type="datetimeFigureOut">
               <a:rPr lang="en-US" smtClean="0"/>
-              <a:t>7/2/2019</a:t>
+              <a:t>7/4/2019</a:t>
             </a:fld>
             <a:endParaRPr lang="en-US"/>
           </a:p>
@@ -2388,7 +2388,7 @@
           <a:p>
             <a:fld id="{69C75F48-67B6-4DD7-90AD-AB0BCEDFC6BC}" type="datetimeFigureOut">
               <a:rPr lang="en-US" smtClean="0"/>
-              <a:t>7/2/2019</a:t>
+              <a:t>7/4/2019</a:t>
             </a:fld>
             <a:endParaRPr lang="en-US"/>
           </a:p>
@@ -2676,7 +2676,7 @@
           <a:p>
             <a:fld id="{69C75F48-67B6-4DD7-90AD-AB0BCEDFC6BC}" type="datetimeFigureOut">
               <a:rPr lang="en-US" smtClean="0"/>
-              <a:t>7/2/2019</a:t>
+              <a:t>7/4/2019</a:t>
             </a:fld>
             <a:endParaRPr lang="en-US"/>
           </a:p>
@@ -2917,7 +2917,7 @@
           <a:p>
             <a:fld id="{69C75F48-67B6-4DD7-90AD-AB0BCEDFC6BC}" type="datetimeFigureOut">
               <a:rPr lang="en-US" smtClean="0"/>
-              <a:t>7/2/2019</a:t>
+              <a:t>7/4/2019</a:t>
             </a:fld>
             <a:endParaRPr lang="en-US"/>
           </a:p>
@@ -3482,7 +3482,7 @@
           <a:p>
             <a:r>
               <a:rPr lang="en-US" dirty="0"/>
-              <a:t>A different approach in interacting with the web browser</a:t>
+              <a:t>Finding different approaches in interacting with the web browser</a:t>
             </a:r>
           </a:p>
           <a:p>
@@ -3494,7 +3494,19 @@
           <a:p>
             <a:r>
               <a:rPr lang="en-US" dirty="0"/>
+              <a:t>Writing messages using vocal input</a:t>
+            </a:r>
+          </a:p>
+          <a:p>
+            <a:r>
+              <a:rPr lang="en-US" dirty="0"/>
               <a:t>Easier option to navigate for people with certain disabilities</a:t>
+            </a:r>
+          </a:p>
+          <a:p>
+            <a:r>
+              <a:rPr lang="en-US" dirty="0"/>
+              <a:t>Older people can prefer voice interaction rather than computer systems understanding</a:t>
             </a:r>
           </a:p>
           <a:p>
@@ -3540,7 +3552,7 @@
           <p:cNvPr id="2" name="Title 1">
             <a:extLst>
               <a:ext uri="{FF2B5EF4-FFF2-40B4-BE49-F238E27FC236}">
-                <a16:creationId xmlns:a16="http://schemas.microsoft.com/office/drawing/2014/main" id="{4E5BA3C1-207B-4BB1-B6D8-9308168AA7CC}"/>
+                <a16:creationId xmlns:a16="http://schemas.microsoft.com/office/drawing/2014/main" id="{6C73B8F2-0E6C-4DDF-BE64-75A4FC29D95A}"/>
               </a:ext>
             </a:extLst>
           </p:cNvPr>
@@ -3558,77 +3570,117 @@
           <a:p>
             <a:r>
               <a:rPr lang="en-US" dirty="0"/>
-              <a:t>Workspace</a:t>
-            </a:r>
-          </a:p>
-        </p:txBody>
-      </p:sp>
-      <p:sp>
-        <p:nvSpPr>
-          <p:cNvPr id="3" name="Content Placeholder 2">
-            <a:extLst>
-              <a:ext uri="{FF2B5EF4-FFF2-40B4-BE49-F238E27FC236}">
-                <a16:creationId xmlns:a16="http://schemas.microsoft.com/office/drawing/2014/main" id="{3D6BC663-B75A-42AC-9E5B-7E16C6D88182}"/>
-              </a:ext>
-            </a:extLst>
-          </p:cNvPr>
-          <p:cNvSpPr>
-            <a:spLocks noGrp="1"/>
-          </p:cNvSpPr>
+              <a:t>Architecture</a:t>
+            </a:r>
+          </a:p>
+        </p:txBody>
+      </p:sp>
+      <p:pic>
+        <p:nvPicPr>
+          <p:cNvPr id="4" name="Content Placeholder 3">
+            <a:extLst>
+              <a:ext uri="{FF2B5EF4-FFF2-40B4-BE49-F238E27FC236}">
+                <a16:creationId xmlns:a16="http://schemas.microsoft.com/office/drawing/2014/main" id="{2C61AF6E-2DEE-41FA-BBB1-C06B3AB519B0}"/>
+              </a:ext>
+            </a:extLst>
+          </p:cNvPr>
+          <p:cNvPicPr>
+            <a:picLocks noGrp="1"/>
+          </p:cNvPicPr>
           <p:nvPr>
             <p:ph idx="1"/>
           </p:nvPr>
-        </p:nvSpPr>
-        <p:spPr/>
-        <p:txBody>
-          <a:bodyPr/>
-          <a:lstStyle/>
-          <a:p>
-            <a:r>
-              <a:rPr lang="en-US" dirty="0"/>
-              <a:t>Python programming language</a:t>
-            </a:r>
-          </a:p>
-          <a:p>
-            <a:pPr marL="0" indent="0">
-              <a:buNone/>
+        </p:nvPicPr>
+        <p:blipFill>
+          <a:blip r:embed="rId2"/>
+          <a:stretch>
+            <a:fillRect/>
+          </a:stretch>
+        </p:blipFill>
+        <p:spPr>
+          <a:xfrm>
+            <a:off x="5859625" y="365125"/>
+            <a:ext cx="6332376" cy="6492875"/>
+          </a:xfrm>
+          <a:prstGeom prst="rect">
+            <a:avLst/>
+          </a:prstGeom>
+        </p:spPr>
+      </p:pic>
+      <p:sp>
+        <p:nvSpPr>
+          <p:cNvPr id="6" name="TextBox 5">
+            <a:extLst>
+              <a:ext uri="{FF2B5EF4-FFF2-40B4-BE49-F238E27FC236}">
+                <a16:creationId xmlns:a16="http://schemas.microsoft.com/office/drawing/2014/main" id="{9D358D11-CED0-4CAB-B6AC-82D1B5EB7F0F}"/>
+              </a:ext>
+            </a:extLst>
+          </p:cNvPr>
+          <p:cNvSpPr txBox="1"/>
+          <p:nvPr/>
+        </p:nvSpPr>
+        <p:spPr>
+          <a:xfrm>
+            <a:off x="727788" y="1810139"/>
+            <a:ext cx="4982547" cy="3970318"/>
+          </a:xfrm>
+          <a:prstGeom prst="rect">
+            <a:avLst/>
+          </a:prstGeom>
+          <a:noFill/>
+        </p:spPr>
+        <p:txBody>
+          <a:bodyPr wrap="square" rtlCol="0">
+            <a:spAutoFit/>
+          </a:bodyPr>
+          <a:lstStyle/>
+          <a:p>
+            <a:pPr algn="just"/>
+            <a:r>
+              <a:rPr lang="en-US" dirty="0"/>
+              <a:t>The application consists of 2 main modules: </a:t>
+            </a:r>
+          </a:p>
+          <a:p>
+            <a:pPr marL="285750" indent="-285750" algn="just">
+              <a:buFont typeface="Arial" panose="020B0604020202020204" pitchFamily="34" charset="0"/>
+              <a:buChar char="•"/>
             </a:pPr>
             <a:r>
               <a:rPr lang="en-US" dirty="0"/>
-              <a:t>	- high-level, interpreted, object-oriented language</a:t>
-            </a:r>
-          </a:p>
-          <a:p>
-            <a:pPr marL="0" indent="0">
-              <a:buNone/>
+              <a:t>the voice recognizer</a:t>
+            </a:r>
+          </a:p>
+          <a:p>
+            <a:pPr marL="285750" indent="-285750" algn="just">
+              <a:buFont typeface="Arial" panose="020B0604020202020204" pitchFamily="34" charset="0"/>
+              <a:buChar char="•"/>
             </a:pPr>
             <a:r>
               <a:rPr lang="en-US" dirty="0"/>
-              <a:t>	- clear coding, easy debugging, many open source libraries</a:t>
-            </a:r>
-          </a:p>
-          <a:p>
-            <a:r>
-              <a:rPr lang="en-US" dirty="0"/>
-              <a:t> Django framework</a:t>
-            </a:r>
-          </a:p>
-          <a:p>
-            <a:pPr marL="0" indent="0">
-              <a:buNone/>
-            </a:pPr>
-            <a:r>
-              <a:rPr lang="en-US" dirty="0"/>
-              <a:t>	- enables rapid integration between a web client and the 	backend of the application</a:t>
-            </a:r>
-          </a:p>
-          <a:p>
-            <a:pPr marL="0" indent="0">
-              <a:buNone/>
-            </a:pPr>
-            <a:r>
-              <a:rPr lang="en-US" dirty="0"/>
-              <a:t>	- used to start the program from localhost</a:t>
+              <a:t>The browser interactor</a:t>
+            </a:r>
+          </a:p>
+          <a:p>
+            <a:pPr algn="just"/>
+            <a:endParaRPr lang="en-US" dirty="0"/>
+          </a:p>
+          <a:p>
+            <a:pPr algn="just"/>
+            <a:r>
+              <a:rPr lang="en-US" dirty="0"/>
+              <a:t>The voice recognizer handles the conversion of audio input to a byte representation, which will be then transformed into a lossless type representation and sent to the Google Speech API to be recognized.</a:t>
+            </a:r>
+          </a:p>
+          <a:p>
+            <a:pPr algn="just"/>
+            <a:endParaRPr lang="en-US" dirty="0"/>
+          </a:p>
+          <a:p>
+            <a:pPr algn="just"/>
+            <a:r>
+              <a:rPr lang="en-US" dirty="0"/>
+              <a:t>The browser interactor handles a text command by checking its similarity with the supported commands and implementing each functionality in a different method.</a:t>
             </a:r>
           </a:p>
         </p:txBody>
@@ -3636,7 +3688,7 @@
     </p:spTree>
     <p:extLst>
       <p:ext uri="{BB962C8B-B14F-4D97-AF65-F5344CB8AC3E}">
-        <p14:creationId xmlns:p14="http://schemas.microsoft.com/office/powerpoint/2010/main" val="2840290557"/>
+        <p14:creationId xmlns:p14="http://schemas.microsoft.com/office/powerpoint/2010/main" val="4075301487"/>
       </p:ext>
     </p:extLst>
   </p:cSld>
@@ -3668,7 +3720,7 @@
           <p:cNvPr id="2" name="Title 1">
             <a:extLst>
               <a:ext uri="{FF2B5EF4-FFF2-40B4-BE49-F238E27FC236}">
-                <a16:creationId xmlns:a16="http://schemas.microsoft.com/office/drawing/2014/main" id="{6C73B8F2-0E6C-4DDF-BE64-75A4FC29D95A}"/>
+                <a16:creationId xmlns:a16="http://schemas.microsoft.com/office/drawing/2014/main" id="{F13DF38B-295B-4567-9FDC-23BF7CBD9E59}"/>
               </a:ext>
             </a:extLst>
           </p:cNvPr>
@@ -3686,125 +3738,98 @@
           <a:p>
             <a:r>
               <a:rPr lang="en-US" dirty="0"/>
-              <a:t>Architecture</a:t>
-            </a:r>
-          </a:p>
-        </p:txBody>
-      </p:sp>
-      <p:pic>
-        <p:nvPicPr>
-          <p:cNvPr id="4" name="Content Placeholder 3">
-            <a:extLst>
-              <a:ext uri="{FF2B5EF4-FFF2-40B4-BE49-F238E27FC236}">
-                <a16:creationId xmlns:a16="http://schemas.microsoft.com/office/drawing/2014/main" id="{2C61AF6E-2DEE-41FA-BBB1-C06B3AB519B0}"/>
-              </a:ext>
-            </a:extLst>
-          </p:cNvPr>
-          <p:cNvPicPr>
-            <a:picLocks noGrp="1"/>
-          </p:cNvPicPr>
+              <a:t>Browser interaction</a:t>
+            </a:r>
+          </a:p>
+        </p:txBody>
+      </p:sp>
+      <p:sp>
+        <p:nvSpPr>
+          <p:cNvPr id="3" name="Content Placeholder 2">
+            <a:extLst>
+              <a:ext uri="{FF2B5EF4-FFF2-40B4-BE49-F238E27FC236}">
+                <a16:creationId xmlns:a16="http://schemas.microsoft.com/office/drawing/2014/main" id="{7F4529C2-9F83-46B3-B05E-1F1A0BBA92C2}"/>
+              </a:ext>
+            </a:extLst>
+          </p:cNvPr>
+          <p:cNvSpPr>
+            <a:spLocks noGrp="1"/>
+          </p:cNvSpPr>
           <p:nvPr>
             <p:ph idx="1"/>
           </p:nvPr>
-        </p:nvPicPr>
-        <p:blipFill>
-          <a:blip r:embed="rId2"/>
-          <a:stretch>
-            <a:fillRect/>
-          </a:stretch>
-        </p:blipFill>
-        <p:spPr>
-          <a:xfrm>
-            <a:off x="5859625" y="365125"/>
-            <a:ext cx="6332376" cy="6492875"/>
-          </a:xfrm>
-          <a:prstGeom prst="rect">
-            <a:avLst/>
-          </a:prstGeom>
-        </p:spPr>
-      </p:pic>
-      <p:sp>
-        <p:nvSpPr>
-          <p:cNvPr id="6" name="TextBox 5">
-            <a:extLst>
-              <a:ext uri="{FF2B5EF4-FFF2-40B4-BE49-F238E27FC236}">
-                <a16:creationId xmlns:a16="http://schemas.microsoft.com/office/drawing/2014/main" id="{9D358D11-CED0-4CAB-B6AC-82D1B5EB7F0F}"/>
-              </a:ext>
-            </a:extLst>
-          </p:cNvPr>
-          <p:cNvSpPr txBox="1"/>
-          <p:nvPr/>
-        </p:nvSpPr>
-        <p:spPr>
-          <a:xfrm>
-            <a:off x="727788" y="1810139"/>
-            <a:ext cx="4982547" cy="3970318"/>
-          </a:xfrm>
-          <a:prstGeom prst="rect">
-            <a:avLst/>
-          </a:prstGeom>
-          <a:noFill/>
-        </p:spPr>
-        <p:txBody>
-          <a:bodyPr wrap="square" rtlCol="0">
-            <a:spAutoFit/>
-          </a:bodyPr>
-          <a:lstStyle/>
-          <a:p>
-            <a:pPr algn="just"/>
-            <a:r>
-              <a:rPr lang="en-US" dirty="0"/>
-              <a:t>The application consists of 2 main modules: </a:t>
-            </a:r>
-          </a:p>
-          <a:p>
-            <a:pPr marL="285750" indent="-285750" algn="just">
-              <a:buFont typeface="Arial" panose="020B0604020202020204" pitchFamily="34" charset="0"/>
-              <a:buChar char="•"/>
+        </p:nvSpPr>
+        <p:spPr/>
+        <p:txBody>
+          <a:bodyPr/>
+          <a:lstStyle/>
+          <a:p>
+            <a:r>
+              <a:rPr lang="en-US" dirty="0"/>
+              <a:t>Identify elements on a page</a:t>
+            </a:r>
+          </a:p>
+          <a:p>
+            <a:pPr marL="0" indent="0">
+              <a:buNone/>
             </a:pPr>
             <a:r>
               <a:rPr lang="en-US" dirty="0"/>
-              <a:t>the voice recognizer</a:t>
-            </a:r>
-          </a:p>
-          <a:p>
-            <a:pPr marL="285750" indent="-285750" algn="just">
-              <a:buFont typeface="Arial" panose="020B0604020202020204" pitchFamily="34" charset="0"/>
-              <a:buChar char="•"/>
+              <a:t>	- using tags, ids, other attributes, </a:t>
+            </a:r>
+            <a:r>
+              <a:rPr lang="en-US" dirty="0" err="1"/>
+              <a:t>xpath</a:t>
+            </a:r>
+            <a:r>
+              <a:rPr lang="en-US" dirty="0"/>
+              <a:t>, </a:t>
+            </a:r>
+            <a:r>
+              <a:rPr lang="en-US" dirty="0" err="1"/>
+              <a:t>css</a:t>
+            </a:r>
+            <a:r>
+              <a:rPr lang="en-US" dirty="0"/>
+              <a:t> selector</a:t>
+            </a:r>
+          </a:p>
+          <a:p>
+            <a:pPr marL="0" indent="0">
+              <a:buNone/>
             </a:pPr>
-            <a:r>
-              <a:rPr lang="en-US" dirty="0"/>
-              <a:t>The browser interactor</a:t>
-            </a:r>
-          </a:p>
-          <a:p>
-            <a:pPr algn="just"/>
             <a:endParaRPr lang="en-US" dirty="0"/>
           </a:p>
           <a:p>
-            <a:pPr algn="just"/>
-            <a:r>
-              <a:rPr lang="en-US" dirty="0"/>
-              <a:t>The voice recognizer handles the conversion of audio input to a byte representation, which will be then transformed into a lossless type representation and sent to the Google Speech API to be recognized.</a:t>
-            </a:r>
-          </a:p>
-          <a:p>
-            <a:pPr algn="just"/>
+            <a:r>
+              <a:rPr lang="en-US" dirty="0"/>
+              <a:t>Perform </a:t>
+            </a:r>
+            <a:r>
+              <a:rPr lang="en-US" dirty="0" err="1"/>
+              <a:t>javascript</a:t>
+            </a:r>
+            <a:r>
+              <a:rPr lang="en-US" dirty="0"/>
+              <a:t> commands written by the developer</a:t>
+            </a:r>
+          </a:p>
+          <a:p>
             <a:endParaRPr lang="en-US" dirty="0"/>
           </a:p>
           <a:p>
-            <a:pPr algn="just"/>
-            <a:r>
-              <a:rPr lang="en-US" dirty="0"/>
-              <a:t>The browser interactor handles a text command by checking its similarity with the supported commands and implementing each functionality in a different method.</a:t>
-            </a:r>
+            <a:r>
+              <a:rPr lang="en-US"/>
+              <a:t>Shortcut commands</a:t>
+            </a:r>
+            <a:endParaRPr lang="en-US" dirty="0"/>
           </a:p>
         </p:txBody>
       </p:sp>
     </p:spTree>
     <p:extLst>
       <p:ext uri="{BB962C8B-B14F-4D97-AF65-F5344CB8AC3E}">
-        <p14:creationId xmlns:p14="http://schemas.microsoft.com/office/powerpoint/2010/main" val="4075301487"/>
+        <p14:creationId xmlns:p14="http://schemas.microsoft.com/office/powerpoint/2010/main" val="2900461498"/>
       </p:ext>
     </p:extLst>
   </p:cSld>
@@ -3901,6 +3926,15 @@
             <a:r>
               <a:rPr lang="en-US" dirty="0"/>
               <a:t>verifies the audio input devices present on the system and 	selects one to record from</a:t>
+            </a:r>
+          </a:p>
+          <a:p>
+            <a:pPr marL="0" indent="0" algn="just">
+              <a:buNone/>
+            </a:pPr>
+            <a:r>
+              <a:rPr lang="en-US" dirty="0"/>
+              <a:t>	- the audio data is recorded in chunks of frames</a:t>
             </a:r>
           </a:p>
           <a:p>
